--- a/Share/资料下载.pptx
+++ b/Share/资料下载.pptx
@@ -5,11 +5,12 @@
     <p:sldMasterId id="2147483648" r:id="rId1"/>
   </p:sldMasterIdLst>
   <p:notesMasterIdLst>
-    <p:notesMasterId r:id="rId4"/>
+    <p:notesMasterId r:id="rId5"/>
   </p:notesMasterIdLst>
   <p:sldIdLst>
     <p:sldId id="257" r:id="rId2"/>
     <p:sldId id="258" r:id="rId3"/>
+    <p:sldId id="259" r:id="rId4"/>
   </p:sldIdLst>
   <p:sldSz cx="12192000" cy="6858000"/>
   <p:notesSz cx="6858000" cy="9144000"/>
@@ -198,7 +199,7 @@
           <a:p>
             <a:fld id="{D2A48B96-639E-45A3-A0BA-2464DFDB1FAA}" type="datetimeFigureOut">
               <a:rPr lang="zh-CN" altLang="en-US" smtClean="0"/>
-              <a:t>2018/3/6</a:t>
+              <a:t>2018/3/8</a:t>
             </a:fld>
             <a:endParaRPr lang="zh-CN" altLang="en-US"/>
           </a:p>
@@ -597,7 +598,7 @@
           <a:p>
             <a:fld id="{D997B5FA-0921-464F-AAE1-844C04324D75}" type="datetimeFigureOut">
               <a:rPr lang="zh-CN" altLang="en-US" smtClean="0"/>
-              <a:t>2018/3/6</a:t>
+              <a:t>2018/3/8</a:t>
             </a:fld>
             <a:endParaRPr lang="zh-CN" altLang="en-US"/>
           </a:p>
@@ -766,7 +767,7 @@
           <a:p>
             <a:fld id="{D997B5FA-0921-464F-AAE1-844C04324D75}" type="datetimeFigureOut">
               <a:rPr lang="zh-CN" altLang="en-US" smtClean="0"/>
-              <a:t>2018/3/6</a:t>
+              <a:t>2018/3/8</a:t>
             </a:fld>
             <a:endParaRPr lang="zh-CN" altLang="en-US"/>
           </a:p>
@@ -945,7 +946,7 @@
           <a:p>
             <a:fld id="{D997B5FA-0921-464F-AAE1-844C04324D75}" type="datetimeFigureOut">
               <a:rPr lang="zh-CN" altLang="en-US" smtClean="0"/>
-              <a:t>2018/3/6</a:t>
+              <a:t>2018/3/8</a:t>
             </a:fld>
             <a:endParaRPr lang="zh-CN" altLang="en-US"/>
           </a:p>
@@ -1114,7 +1115,7 @@
           <a:p>
             <a:fld id="{D997B5FA-0921-464F-AAE1-844C04324D75}" type="datetimeFigureOut">
               <a:rPr lang="zh-CN" altLang="en-US" smtClean="0"/>
-              <a:t>2018/3/6</a:t>
+              <a:t>2018/3/8</a:t>
             </a:fld>
             <a:endParaRPr lang="zh-CN" altLang="en-US"/>
           </a:p>
@@ -1359,7 +1360,7 @@
           <a:p>
             <a:fld id="{D997B5FA-0921-464F-AAE1-844C04324D75}" type="datetimeFigureOut">
               <a:rPr lang="zh-CN" altLang="en-US" smtClean="0"/>
-              <a:t>2018/3/6</a:t>
+              <a:t>2018/3/8</a:t>
             </a:fld>
             <a:endParaRPr lang="zh-CN" altLang="en-US"/>
           </a:p>
@@ -1590,7 +1591,7 @@
           <a:p>
             <a:fld id="{D997B5FA-0921-464F-AAE1-844C04324D75}" type="datetimeFigureOut">
               <a:rPr lang="zh-CN" altLang="en-US" smtClean="0"/>
-              <a:t>2018/3/6</a:t>
+              <a:t>2018/3/8</a:t>
             </a:fld>
             <a:endParaRPr lang="zh-CN" altLang="en-US"/>
           </a:p>
@@ -1956,7 +1957,7 @@
           <a:p>
             <a:fld id="{D997B5FA-0921-464F-AAE1-844C04324D75}" type="datetimeFigureOut">
               <a:rPr lang="zh-CN" altLang="en-US" smtClean="0"/>
-              <a:t>2018/3/6</a:t>
+              <a:t>2018/3/8</a:t>
             </a:fld>
             <a:endParaRPr lang="zh-CN" altLang="en-US"/>
           </a:p>
@@ -2073,7 +2074,7 @@
           <a:p>
             <a:fld id="{D997B5FA-0921-464F-AAE1-844C04324D75}" type="datetimeFigureOut">
               <a:rPr lang="zh-CN" altLang="en-US" smtClean="0"/>
-              <a:t>2018/3/6</a:t>
+              <a:t>2018/3/8</a:t>
             </a:fld>
             <a:endParaRPr lang="zh-CN" altLang="en-US"/>
           </a:p>
@@ -2167,7 +2168,7 @@
           <a:p>
             <a:fld id="{D997B5FA-0921-464F-AAE1-844C04324D75}" type="datetimeFigureOut">
               <a:rPr lang="zh-CN" altLang="en-US" smtClean="0"/>
-              <a:t>2018/3/6</a:t>
+              <a:t>2018/3/8</a:t>
             </a:fld>
             <a:endParaRPr lang="zh-CN" altLang="en-US"/>
           </a:p>
@@ -2443,7 +2444,7 @@
           <a:p>
             <a:fld id="{D997B5FA-0921-464F-AAE1-844C04324D75}" type="datetimeFigureOut">
               <a:rPr lang="zh-CN" altLang="en-US" smtClean="0"/>
-              <a:t>2018/3/6</a:t>
+              <a:t>2018/3/8</a:t>
             </a:fld>
             <a:endParaRPr lang="zh-CN" altLang="en-US"/>
           </a:p>
@@ -2695,7 +2696,7 @@
           <a:p>
             <a:fld id="{D997B5FA-0921-464F-AAE1-844C04324D75}" type="datetimeFigureOut">
               <a:rPr lang="zh-CN" altLang="en-US" smtClean="0"/>
-              <a:t>2018/3/6</a:t>
+              <a:t>2018/3/8</a:t>
             </a:fld>
             <a:endParaRPr lang="zh-CN" altLang="en-US"/>
           </a:p>
@@ -2907,7 +2908,7 @@
           <a:p>
             <a:fld id="{D997B5FA-0921-464F-AAE1-844C04324D75}" type="datetimeFigureOut">
               <a:rPr lang="zh-CN" altLang="en-US" smtClean="0"/>
-              <a:t>2018/3/6</a:t>
+              <a:t>2018/3/8</a:t>
             </a:fld>
             <a:endParaRPr lang="zh-CN" altLang="en-US"/>
           </a:p>
@@ -3441,7 +3442,7 @@
         </p:blipFill>
         <p:spPr>
           <a:xfrm>
-            <a:off x="7635948" y="2293140"/>
+            <a:off x="7697389" y="2207244"/>
             <a:ext cx="2734632" cy="2278860"/>
           </a:xfrm>
           <a:prstGeom prst="rect">
@@ -3457,7 +3458,7 @@
         </p:nvGrpSpPr>
         <p:grpSpPr>
           <a:xfrm>
-            <a:off x="892030" y="1232926"/>
+            <a:off x="892030" y="1831135"/>
             <a:ext cx="2926079" cy="1973179"/>
             <a:chOff x="770021" y="1655546"/>
             <a:chExt cx="2926079" cy="1973179"/>
@@ -3586,7 +3587,7 @@
         </p:nvSpPr>
         <p:spPr>
           <a:xfrm>
-            <a:off x="1171161" y="1964297"/>
+            <a:off x="1171161" y="2562506"/>
             <a:ext cx="2367816" cy="1200329"/>
           </a:xfrm>
           <a:prstGeom prst="rect">
@@ -3638,7 +3639,7 @@
         </p:nvGrpSpPr>
         <p:grpSpPr>
           <a:xfrm>
-            <a:off x="4729255" y="1232926"/>
+            <a:off x="4729255" y="1831135"/>
             <a:ext cx="2926079" cy="1973179"/>
             <a:chOff x="770021" y="1655546"/>
             <a:chExt cx="2926079" cy="1973179"/>
@@ -3759,7 +3760,7 @@
         </p:nvSpPr>
         <p:spPr>
           <a:xfrm>
-            <a:off x="5117473" y="1889751"/>
+            <a:off x="5117473" y="2487960"/>
             <a:ext cx="2149642" cy="1200329"/>
           </a:xfrm>
           <a:prstGeom prst="rect">
@@ -3791,7 +3792,7 @@
         </p:nvGrpSpPr>
         <p:grpSpPr>
           <a:xfrm>
-            <a:off x="8566480" y="1232926"/>
+            <a:off x="8566480" y="1831135"/>
             <a:ext cx="2926079" cy="1973179"/>
             <a:chOff x="770021" y="1655546"/>
             <a:chExt cx="2926079" cy="1973179"/>
@@ -3920,7 +3921,7 @@
         </p:nvSpPr>
         <p:spPr>
           <a:xfrm>
-            <a:off x="9064705" y="1900120"/>
+            <a:off x="9064705" y="2498329"/>
             <a:ext cx="2213807" cy="1200329"/>
           </a:xfrm>
           <a:prstGeom prst="rect">
@@ -3952,7 +3953,7 @@
         </p:nvGrpSpPr>
         <p:grpSpPr>
           <a:xfrm>
-            <a:off x="860034" y="3887895"/>
+            <a:off x="860034" y="4486104"/>
             <a:ext cx="2926079" cy="1973179"/>
             <a:chOff x="770021" y="1655546"/>
             <a:chExt cx="2926079" cy="1973179"/>
@@ -4097,7 +4098,7 @@
         </p:nvSpPr>
         <p:spPr>
           <a:xfrm>
-            <a:off x="1078117" y="4572000"/>
+            <a:off x="1078117" y="5170209"/>
             <a:ext cx="2553903" cy="1200329"/>
           </a:xfrm>
           <a:prstGeom prst="rect">
@@ -4129,7 +4130,7 @@
         </p:nvGrpSpPr>
         <p:grpSpPr>
           <a:xfrm>
-            <a:off x="4729255" y="3887895"/>
+            <a:off x="4729255" y="4486104"/>
             <a:ext cx="2926079" cy="1973179"/>
             <a:chOff x="770021" y="1655546"/>
             <a:chExt cx="2926079" cy="1973179"/>
@@ -4274,7 +4275,7 @@
         </p:nvSpPr>
         <p:spPr>
           <a:xfrm>
-            <a:off x="5117473" y="4572000"/>
+            <a:off x="5117473" y="5170209"/>
             <a:ext cx="2252217" cy="1200329"/>
           </a:xfrm>
           <a:prstGeom prst="rect">
@@ -4306,7 +4307,7 @@
         </p:nvGrpSpPr>
         <p:grpSpPr>
           <a:xfrm>
-            <a:off x="8596180" y="3887895"/>
+            <a:off x="8596180" y="4486104"/>
             <a:ext cx="2926079" cy="1973179"/>
             <a:chOff x="770021" y="1655546"/>
             <a:chExt cx="2926079" cy="1973179"/>
@@ -4447,10 +4448,988 @@
           </p:txBody>
         </p:sp>
       </p:grpSp>
+      <p:sp>
+        <p:nvSpPr>
+          <p:cNvPr id="33" name="Rectangle 32"/>
+          <p:cNvSpPr/>
+          <p:nvPr/>
+        </p:nvSpPr>
+        <p:spPr>
+          <a:xfrm>
+            <a:off x="4434078" y="501390"/>
+            <a:ext cx="3516432" cy="761127"/>
+          </a:xfrm>
+          <a:prstGeom prst="rect">
+            <a:avLst/>
+          </a:prstGeom>
+          <a:solidFill>
+            <a:srgbClr val="E24E4E"/>
+          </a:solidFill>
+          <a:ln>
+            <a:noFill/>
+          </a:ln>
+        </p:spPr>
+        <p:style>
+          <a:lnRef idx="2">
+            <a:schemeClr val="accent1">
+              <a:shade val="50000"/>
+            </a:schemeClr>
+          </a:lnRef>
+          <a:fillRef idx="1">
+            <a:schemeClr val="accent1"/>
+          </a:fillRef>
+          <a:effectRef idx="0">
+            <a:schemeClr val="accent1"/>
+          </a:effectRef>
+          <a:fontRef idx="minor">
+            <a:schemeClr val="lt1"/>
+          </a:fontRef>
+        </p:style>
+        <p:txBody>
+          <a:bodyPr rtlCol="0" anchor="ctr"/>
+          <a:lstStyle/>
+          <a:p>
+            <a:pPr algn="ctr"/>
+            <a:r>
+              <a:rPr lang="zh-CN" altLang="en-US" sz="4000" dirty="0" smtClean="0">
+                <a:solidFill>
+                  <a:schemeClr val="bg1"/>
+                </a:solidFill>
+              </a:rPr>
+              <a:t>学习资料下载</a:t>
+            </a:r>
+            <a:endParaRPr lang="zh-CN" altLang="en-US" sz="4000" dirty="0">
+              <a:solidFill>
+                <a:schemeClr val="bg1"/>
+              </a:solidFill>
+            </a:endParaRPr>
+          </a:p>
+        </p:txBody>
+      </p:sp>
     </p:spTree>
     <p:extLst>
       <p:ext uri="{BB962C8B-B14F-4D97-AF65-F5344CB8AC3E}">
         <p14:creationId xmlns:p14="http://schemas.microsoft.com/office/powerpoint/2010/main" val="912847267"/>
+      </p:ext>
+    </p:extLst>
+  </p:cSld>
+  <p:clrMapOvr>
+    <a:masterClrMapping/>
+  </p:clrMapOvr>
+  <p:timing>
+    <p:tnLst>
+      <p:par>
+        <p:cTn id="1" dur="indefinite" restart="never" nodeType="tmRoot"/>
+      </p:par>
+    </p:tnLst>
+  </p:timing>
+</p:sld>
+</file>
+
+<file path=ppt/slides/slide3.xml><?xml version="1.0" encoding="utf-8"?>
+<p:sld xmlns:a="http://schemas.openxmlformats.org/drawingml/2006/main" xmlns:r="http://schemas.openxmlformats.org/officeDocument/2006/relationships" xmlns:p="http://schemas.openxmlformats.org/presentationml/2006/main">
+  <p:cSld>
+    <p:bg>
+      <p:bgPr>
+        <a:blipFill dpi="0" rotWithShape="1">
+          <a:blip r:embed="rId2">
+            <a:lum/>
+          </a:blip>
+          <a:srcRect/>
+          <a:stretch>
+            <a:fillRect t="-6000" b="-6000"/>
+          </a:stretch>
+        </a:blipFill>
+        <a:effectLst/>
+      </p:bgPr>
+    </p:bg>
+    <p:spTree>
+      <p:nvGrpSpPr>
+        <p:cNvPr id="1" name=""/>
+        <p:cNvGrpSpPr/>
+        <p:nvPr/>
+      </p:nvGrpSpPr>
+      <p:grpSpPr>
+        <a:xfrm>
+          <a:off x="0" y="0"/>
+          <a:ext cx="0" cy="0"/>
+          <a:chOff x="0" y="0"/>
+          <a:chExt cx="0" cy="0"/>
+        </a:xfrm>
+      </p:grpSpPr>
+      <p:pic>
+        <p:nvPicPr>
+          <p:cNvPr id="3" name="Picture 2"/>
+          <p:cNvPicPr>
+            <a:picLocks noChangeAspect="1"/>
+          </p:cNvPicPr>
+          <p:nvPr/>
+        </p:nvPicPr>
+        <p:blipFill>
+          <a:blip r:embed="rId3"/>
+          <a:stretch>
+            <a:fillRect/>
+          </a:stretch>
+        </p:blipFill>
+        <p:spPr>
+          <a:xfrm>
+            <a:off x="7697389" y="2207244"/>
+            <a:ext cx="2734632" cy="2278860"/>
+          </a:xfrm>
+          <a:prstGeom prst="rect">
+            <a:avLst/>
+          </a:prstGeom>
+        </p:spPr>
+      </p:pic>
+      <p:grpSp>
+        <p:nvGrpSpPr>
+          <p:cNvPr id="9" name="Group 8"/>
+          <p:cNvGrpSpPr/>
+          <p:nvPr/>
+        </p:nvGrpSpPr>
+        <p:grpSpPr>
+          <a:xfrm>
+            <a:off x="892030" y="1831135"/>
+            <a:ext cx="2926079" cy="1973179"/>
+            <a:chOff x="770021" y="1655546"/>
+            <a:chExt cx="2926079" cy="1973179"/>
+          </a:xfrm>
+        </p:grpSpPr>
+        <p:sp>
+          <p:nvSpPr>
+            <p:cNvPr id="7" name="Rectangle 6"/>
+            <p:cNvSpPr/>
+            <p:nvPr/>
+          </p:nvSpPr>
+          <p:spPr>
+            <a:xfrm>
+              <a:off x="770021" y="1655546"/>
+              <a:ext cx="2926079" cy="540800"/>
+            </a:xfrm>
+            <a:prstGeom prst="rect">
+              <a:avLst/>
+            </a:prstGeom>
+            <a:solidFill>
+              <a:srgbClr val="E24E4E"/>
+            </a:solidFill>
+            <a:ln>
+              <a:noFill/>
+            </a:ln>
+          </p:spPr>
+          <p:style>
+            <a:lnRef idx="2">
+              <a:schemeClr val="accent1">
+                <a:shade val="50000"/>
+              </a:schemeClr>
+            </a:lnRef>
+            <a:fillRef idx="1">
+              <a:schemeClr val="accent1"/>
+            </a:fillRef>
+            <a:effectRef idx="0">
+              <a:schemeClr val="accent1"/>
+            </a:effectRef>
+            <a:fontRef idx="minor">
+              <a:schemeClr val="lt1"/>
+            </a:fontRef>
+          </p:style>
+          <p:txBody>
+            <a:bodyPr rtlCol="0" anchor="ctr"/>
+            <a:lstStyle/>
+            <a:p>
+              <a:pPr algn="ctr"/>
+              <a:r>
+                <a:rPr lang="zh-CN" altLang="en-US" dirty="0" smtClean="0">
+                  <a:solidFill>
+                    <a:prstClr val="white"/>
+                  </a:solidFill>
+                </a:rPr>
+                <a:t>地图编辑器及导入工具</a:t>
+              </a:r>
+              <a:endParaRPr lang="zh-CN" altLang="en-US" dirty="0">
+                <a:solidFill>
+                  <a:prstClr val="white"/>
+                </a:solidFill>
+              </a:endParaRPr>
+            </a:p>
+          </p:txBody>
+        </p:sp>
+        <p:sp>
+          <p:nvSpPr>
+            <p:cNvPr id="8" name="Rectangle 7"/>
+            <p:cNvSpPr/>
+            <p:nvPr/>
+          </p:nvSpPr>
+          <p:spPr>
+            <a:xfrm>
+              <a:off x="770021" y="2196346"/>
+              <a:ext cx="2926079" cy="1432379"/>
+            </a:xfrm>
+            <a:prstGeom prst="rect">
+              <a:avLst/>
+            </a:prstGeom>
+            <a:solidFill>
+              <a:srgbClr val="FFFFFF">
+                <a:alpha val="27059"/>
+              </a:srgbClr>
+            </a:solidFill>
+            <a:ln>
+              <a:noFill/>
+            </a:ln>
+          </p:spPr>
+          <p:style>
+            <a:lnRef idx="2">
+              <a:schemeClr val="accent1">
+                <a:shade val="50000"/>
+              </a:schemeClr>
+            </a:lnRef>
+            <a:fillRef idx="1">
+              <a:schemeClr val="accent1"/>
+            </a:fillRef>
+            <a:effectRef idx="0">
+              <a:schemeClr val="accent1"/>
+            </a:effectRef>
+            <a:fontRef idx="minor">
+              <a:schemeClr val="lt1"/>
+            </a:fontRef>
+          </p:style>
+          <p:txBody>
+            <a:bodyPr rtlCol="0" anchor="ctr"/>
+            <a:lstStyle/>
+            <a:p>
+              <a:pPr algn="ctr"/>
+              <a:endParaRPr lang="zh-CN" altLang="en-US">
+                <a:solidFill>
+                  <a:prstClr val="white"/>
+                </a:solidFill>
+              </a:endParaRPr>
+            </a:p>
+          </p:txBody>
+        </p:sp>
+      </p:grpSp>
+      <p:sp>
+        <p:nvSpPr>
+          <p:cNvPr id="13" name="Rectangle 12"/>
+          <p:cNvSpPr/>
+          <p:nvPr/>
+        </p:nvSpPr>
+        <p:spPr>
+          <a:xfrm>
+            <a:off x="1171161" y="2562506"/>
+            <a:ext cx="2367816" cy="923330"/>
+          </a:xfrm>
+          <a:prstGeom prst="rect">
+            <a:avLst/>
+          </a:prstGeom>
+        </p:spPr>
+        <p:txBody>
+          <a:bodyPr wrap="square">
+            <a:spAutoFit/>
+          </a:bodyPr>
+          <a:lstStyle/>
+          <a:p>
+            <a:r>
+              <a:rPr lang="en-US" altLang="zh-CN" dirty="0">
+                <a:solidFill>
+                  <a:prstClr val="white"/>
+                </a:solidFill>
+              </a:rPr>
+              <a:t>https://pan.baidu.com/s/1xhG8tnzzdbZe_vx7mOEFVA</a:t>
+            </a:r>
+            <a:endParaRPr lang="zh-CN" altLang="en-US" dirty="0">
+              <a:solidFill>
+                <a:prstClr val="white"/>
+              </a:solidFill>
+            </a:endParaRPr>
+          </a:p>
+        </p:txBody>
+      </p:sp>
+      <p:grpSp>
+        <p:nvGrpSpPr>
+          <p:cNvPr id="14" name="Group 13"/>
+          <p:cNvGrpSpPr/>
+          <p:nvPr/>
+        </p:nvGrpSpPr>
+        <p:grpSpPr>
+          <a:xfrm>
+            <a:off x="4729255" y="1831135"/>
+            <a:ext cx="2926079" cy="1973179"/>
+            <a:chOff x="770021" y="1655546"/>
+            <a:chExt cx="2926079" cy="1973179"/>
+          </a:xfrm>
+        </p:grpSpPr>
+        <p:sp>
+          <p:nvSpPr>
+            <p:cNvPr id="15" name="Rectangle 14"/>
+            <p:cNvSpPr/>
+            <p:nvPr/>
+          </p:nvSpPr>
+          <p:spPr>
+            <a:xfrm>
+              <a:off x="770021" y="1655546"/>
+              <a:ext cx="2926079" cy="540800"/>
+            </a:xfrm>
+            <a:prstGeom prst="rect">
+              <a:avLst/>
+            </a:prstGeom>
+            <a:solidFill>
+              <a:srgbClr val="E24E4E"/>
+            </a:solidFill>
+            <a:ln>
+              <a:noFill/>
+            </a:ln>
+          </p:spPr>
+          <p:style>
+            <a:lnRef idx="2">
+              <a:schemeClr val="accent1">
+                <a:shade val="50000"/>
+              </a:schemeClr>
+            </a:lnRef>
+            <a:fillRef idx="1">
+              <a:schemeClr val="accent1"/>
+            </a:fillRef>
+            <a:effectRef idx="0">
+              <a:schemeClr val="accent1"/>
+            </a:effectRef>
+            <a:fontRef idx="minor">
+              <a:schemeClr val="lt1"/>
+            </a:fontRef>
+          </p:style>
+          <p:txBody>
+            <a:bodyPr rtlCol="0" anchor="ctr"/>
+            <a:lstStyle/>
+            <a:p>
+              <a:pPr algn="ctr"/>
+              <a:endParaRPr lang="zh-CN" altLang="en-US" dirty="0">
+                <a:solidFill>
+                  <a:prstClr val="white"/>
+                </a:solidFill>
+              </a:endParaRPr>
+            </a:p>
+          </p:txBody>
+        </p:sp>
+        <p:sp>
+          <p:nvSpPr>
+            <p:cNvPr id="16" name="Rectangle 15"/>
+            <p:cNvSpPr/>
+            <p:nvPr/>
+          </p:nvSpPr>
+          <p:spPr>
+            <a:xfrm>
+              <a:off x="770021" y="2196346"/>
+              <a:ext cx="2926079" cy="1432379"/>
+            </a:xfrm>
+            <a:prstGeom prst="rect">
+              <a:avLst/>
+            </a:prstGeom>
+            <a:solidFill>
+              <a:srgbClr val="FFFFFF">
+                <a:alpha val="27059"/>
+              </a:srgbClr>
+            </a:solidFill>
+            <a:ln>
+              <a:noFill/>
+            </a:ln>
+          </p:spPr>
+          <p:style>
+            <a:lnRef idx="2">
+              <a:schemeClr val="accent1">
+                <a:shade val="50000"/>
+              </a:schemeClr>
+            </a:lnRef>
+            <a:fillRef idx="1">
+              <a:schemeClr val="accent1"/>
+            </a:fillRef>
+            <a:effectRef idx="0">
+              <a:schemeClr val="accent1"/>
+            </a:effectRef>
+            <a:fontRef idx="minor">
+              <a:schemeClr val="lt1"/>
+            </a:fontRef>
+          </p:style>
+          <p:txBody>
+            <a:bodyPr rtlCol="0" anchor="ctr"/>
+            <a:lstStyle/>
+            <a:p>
+              <a:pPr algn="ctr"/>
+              <a:endParaRPr lang="zh-CN" altLang="en-US">
+                <a:solidFill>
+                  <a:prstClr val="white"/>
+                </a:solidFill>
+              </a:endParaRPr>
+            </a:p>
+          </p:txBody>
+        </p:sp>
+      </p:grpSp>
+      <p:grpSp>
+        <p:nvGrpSpPr>
+          <p:cNvPr id="18" name="Group 17"/>
+          <p:cNvGrpSpPr/>
+          <p:nvPr/>
+        </p:nvGrpSpPr>
+        <p:grpSpPr>
+          <a:xfrm>
+            <a:off x="8566480" y="1831135"/>
+            <a:ext cx="2926079" cy="1973179"/>
+            <a:chOff x="770021" y="1655546"/>
+            <a:chExt cx="2926079" cy="1973179"/>
+          </a:xfrm>
+        </p:grpSpPr>
+        <p:sp>
+          <p:nvSpPr>
+            <p:cNvPr id="19" name="Rectangle 18"/>
+            <p:cNvSpPr/>
+            <p:nvPr/>
+          </p:nvSpPr>
+          <p:spPr>
+            <a:xfrm>
+              <a:off x="770021" y="1655546"/>
+              <a:ext cx="2926079" cy="540800"/>
+            </a:xfrm>
+            <a:prstGeom prst="rect">
+              <a:avLst/>
+            </a:prstGeom>
+            <a:solidFill>
+              <a:srgbClr val="E24E4E"/>
+            </a:solidFill>
+            <a:ln>
+              <a:noFill/>
+            </a:ln>
+          </p:spPr>
+          <p:style>
+            <a:lnRef idx="2">
+              <a:schemeClr val="accent1">
+                <a:shade val="50000"/>
+              </a:schemeClr>
+            </a:lnRef>
+            <a:fillRef idx="1">
+              <a:schemeClr val="accent1"/>
+            </a:fillRef>
+            <a:effectRef idx="0">
+              <a:schemeClr val="accent1"/>
+            </a:effectRef>
+            <a:fontRef idx="minor">
+              <a:schemeClr val="lt1"/>
+            </a:fontRef>
+          </p:style>
+          <p:txBody>
+            <a:bodyPr rtlCol="0" anchor="ctr"/>
+            <a:lstStyle/>
+            <a:p>
+              <a:pPr algn="ctr"/>
+              <a:endParaRPr lang="zh-CN" altLang="en-US" dirty="0">
+                <a:solidFill>
+                  <a:prstClr val="white"/>
+                </a:solidFill>
+              </a:endParaRPr>
+            </a:p>
+          </p:txBody>
+        </p:sp>
+        <p:sp>
+          <p:nvSpPr>
+            <p:cNvPr id="20" name="Rectangle 19"/>
+            <p:cNvSpPr/>
+            <p:nvPr/>
+          </p:nvSpPr>
+          <p:spPr>
+            <a:xfrm>
+              <a:off x="770021" y="2196346"/>
+              <a:ext cx="2926079" cy="1432379"/>
+            </a:xfrm>
+            <a:prstGeom prst="rect">
+              <a:avLst/>
+            </a:prstGeom>
+            <a:solidFill>
+              <a:srgbClr val="FFFFFF">
+                <a:alpha val="27059"/>
+              </a:srgbClr>
+            </a:solidFill>
+            <a:ln>
+              <a:noFill/>
+            </a:ln>
+          </p:spPr>
+          <p:style>
+            <a:lnRef idx="2">
+              <a:schemeClr val="accent1">
+                <a:shade val="50000"/>
+              </a:schemeClr>
+            </a:lnRef>
+            <a:fillRef idx="1">
+              <a:schemeClr val="accent1"/>
+            </a:fillRef>
+            <a:effectRef idx="0">
+              <a:schemeClr val="accent1"/>
+            </a:effectRef>
+            <a:fontRef idx="minor">
+              <a:schemeClr val="lt1"/>
+            </a:fontRef>
+          </p:style>
+          <p:txBody>
+            <a:bodyPr rtlCol="0" anchor="ctr"/>
+            <a:lstStyle/>
+            <a:p>
+              <a:pPr algn="ctr"/>
+              <a:endParaRPr lang="zh-CN" altLang="en-US">
+                <a:solidFill>
+                  <a:prstClr val="white"/>
+                </a:solidFill>
+              </a:endParaRPr>
+            </a:p>
+          </p:txBody>
+        </p:sp>
+      </p:grpSp>
+      <p:grpSp>
+        <p:nvGrpSpPr>
+          <p:cNvPr id="22" name="Group 21"/>
+          <p:cNvGrpSpPr/>
+          <p:nvPr/>
+        </p:nvGrpSpPr>
+        <p:grpSpPr>
+          <a:xfrm>
+            <a:off x="860034" y="4486104"/>
+            <a:ext cx="2926079" cy="1973179"/>
+            <a:chOff x="770021" y="1655546"/>
+            <a:chExt cx="2926079" cy="1973179"/>
+          </a:xfrm>
+        </p:grpSpPr>
+        <p:sp>
+          <p:nvSpPr>
+            <p:cNvPr id="23" name="Rectangle 22"/>
+            <p:cNvSpPr/>
+            <p:nvPr/>
+          </p:nvSpPr>
+          <p:spPr>
+            <a:xfrm>
+              <a:off x="770021" y="1655546"/>
+              <a:ext cx="2926079" cy="540800"/>
+            </a:xfrm>
+            <a:prstGeom prst="rect">
+              <a:avLst/>
+            </a:prstGeom>
+            <a:solidFill>
+              <a:srgbClr val="E24E4E"/>
+            </a:solidFill>
+            <a:ln>
+              <a:noFill/>
+            </a:ln>
+          </p:spPr>
+          <p:style>
+            <a:lnRef idx="2">
+              <a:schemeClr val="accent1">
+                <a:shade val="50000"/>
+              </a:schemeClr>
+            </a:lnRef>
+            <a:fillRef idx="1">
+              <a:schemeClr val="accent1"/>
+            </a:fillRef>
+            <a:effectRef idx="0">
+              <a:schemeClr val="accent1"/>
+            </a:effectRef>
+            <a:fontRef idx="minor">
+              <a:schemeClr val="lt1"/>
+            </a:fontRef>
+          </p:style>
+          <p:txBody>
+            <a:bodyPr rtlCol="0" anchor="ctr"/>
+            <a:lstStyle/>
+            <a:p>
+              <a:pPr algn="ctr"/>
+              <a:endParaRPr lang="zh-CN" altLang="en-US" dirty="0">
+                <a:solidFill>
+                  <a:prstClr val="white"/>
+                </a:solidFill>
+              </a:endParaRPr>
+            </a:p>
+          </p:txBody>
+        </p:sp>
+        <p:sp>
+          <p:nvSpPr>
+            <p:cNvPr id="24" name="Rectangle 23"/>
+            <p:cNvSpPr/>
+            <p:nvPr/>
+          </p:nvSpPr>
+          <p:spPr>
+            <a:xfrm>
+              <a:off x="770021" y="2196346"/>
+              <a:ext cx="2926079" cy="1432379"/>
+            </a:xfrm>
+            <a:prstGeom prst="rect">
+              <a:avLst/>
+            </a:prstGeom>
+            <a:solidFill>
+              <a:srgbClr val="FFFFFF">
+                <a:alpha val="27059"/>
+              </a:srgbClr>
+            </a:solidFill>
+            <a:ln>
+              <a:noFill/>
+            </a:ln>
+          </p:spPr>
+          <p:style>
+            <a:lnRef idx="2">
+              <a:schemeClr val="accent1">
+                <a:shade val="50000"/>
+              </a:schemeClr>
+            </a:lnRef>
+            <a:fillRef idx="1">
+              <a:schemeClr val="accent1"/>
+            </a:fillRef>
+            <a:effectRef idx="0">
+              <a:schemeClr val="accent1"/>
+            </a:effectRef>
+            <a:fontRef idx="minor">
+              <a:schemeClr val="lt1"/>
+            </a:fontRef>
+          </p:style>
+          <p:txBody>
+            <a:bodyPr rtlCol="0" anchor="ctr"/>
+            <a:lstStyle/>
+            <a:p>
+              <a:pPr algn="ctr"/>
+              <a:endParaRPr lang="zh-CN" altLang="en-US">
+                <a:solidFill>
+                  <a:prstClr val="white"/>
+                </a:solidFill>
+              </a:endParaRPr>
+            </a:p>
+          </p:txBody>
+        </p:sp>
+      </p:grpSp>
+      <p:grpSp>
+        <p:nvGrpSpPr>
+          <p:cNvPr id="26" name="Group 25"/>
+          <p:cNvGrpSpPr/>
+          <p:nvPr/>
+        </p:nvGrpSpPr>
+        <p:grpSpPr>
+          <a:xfrm>
+            <a:off x="4729255" y="4486104"/>
+            <a:ext cx="2926079" cy="1973179"/>
+            <a:chOff x="770021" y="1655546"/>
+            <a:chExt cx="2926079" cy="1973179"/>
+          </a:xfrm>
+        </p:grpSpPr>
+        <p:sp>
+          <p:nvSpPr>
+            <p:cNvPr id="27" name="Rectangle 26"/>
+            <p:cNvSpPr/>
+            <p:nvPr/>
+          </p:nvSpPr>
+          <p:spPr>
+            <a:xfrm>
+              <a:off x="770021" y="1655546"/>
+              <a:ext cx="2926079" cy="540800"/>
+            </a:xfrm>
+            <a:prstGeom prst="rect">
+              <a:avLst/>
+            </a:prstGeom>
+            <a:solidFill>
+              <a:srgbClr val="E24E4E"/>
+            </a:solidFill>
+            <a:ln>
+              <a:noFill/>
+            </a:ln>
+          </p:spPr>
+          <p:style>
+            <a:lnRef idx="2">
+              <a:schemeClr val="accent1">
+                <a:shade val="50000"/>
+              </a:schemeClr>
+            </a:lnRef>
+            <a:fillRef idx="1">
+              <a:schemeClr val="accent1"/>
+            </a:fillRef>
+            <a:effectRef idx="0">
+              <a:schemeClr val="accent1"/>
+            </a:effectRef>
+            <a:fontRef idx="minor">
+              <a:schemeClr val="lt1"/>
+            </a:fontRef>
+          </p:style>
+          <p:txBody>
+            <a:bodyPr rtlCol="0" anchor="ctr"/>
+            <a:lstStyle/>
+            <a:p>
+              <a:pPr algn="ctr"/>
+              <a:r>
+                <a:rPr lang="en-US" altLang="zh-CN" dirty="0" smtClean="0">
+                  <a:solidFill>
+                    <a:prstClr val="white"/>
+                  </a:solidFill>
+                </a:rPr>
+                <a:t>Android SDK</a:t>
+              </a:r>
+              <a:r>
+                <a:rPr lang="zh-CN" altLang="en-US" dirty="0" smtClean="0">
+                  <a:solidFill>
+                    <a:prstClr val="white"/>
+                  </a:solidFill>
+                </a:rPr>
+                <a:t>（</a:t>
+              </a:r>
+              <a:r>
+                <a:rPr lang="en-US" altLang="zh-CN" dirty="0" smtClean="0">
+                  <a:solidFill>
+                    <a:prstClr val="white"/>
+                  </a:solidFill>
+                </a:rPr>
+                <a:t>win</a:t>
+              </a:r>
+              <a:r>
+                <a:rPr lang="zh-CN" altLang="en-US" dirty="0" smtClean="0">
+                  <a:solidFill>
+                    <a:prstClr val="white"/>
+                  </a:solidFill>
+                </a:rPr>
+                <a:t>）</a:t>
+              </a:r>
+              <a:endParaRPr lang="zh-CN" altLang="en-US" dirty="0">
+                <a:solidFill>
+                  <a:prstClr val="white"/>
+                </a:solidFill>
+              </a:endParaRPr>
+            </a:p>
+          </p:txBody>
+        </p:sp>
+        <p:sp>
+          <p:nvSpPr>
+            <p:cNvPr id="28" name="Rectangle 27"/>
+            <p:cNvSpPr/>
+            <p:nvPr/>
+          </p:nvSpPr>
+          <p:spPr>
+            <a:xfrm>
+              <a:off x="770021" y="2196346"/>
+              <a:ext cx="2926079" cy="1432379"/>
+            </a:xfrm>
+            <a:prstGeom prst="rect">
+              <a:avLst/>
+            </a:prstGeom>
+            <a:solidFill>
+              <a:srgbClr val="FFFFFF">
+                <a:alpha val="27059"/>
+              </a:srgbClr>
+            </a:solidFill>
+            <a:ln>
+              <a:noFill/>
+            </a:ln>
+          </p:spPr>
+          <p:style>
+            <a:lnRef idx="2">
+              <a:schemeClr val="accent1">
+                <a:shade val="50000"/>
+              </a:schemeClr>
+            </a:lnRef>
+            <a:fillRef idx="1">
+              <a:schemeClr val="accent1"/>
+            </a:fillRef>
+            <a:effectRef idx="0">
+              <a:schemeClr val="accent1"/>
+            </a:effectRef>
+            <a:fontRef idx="minor">
+              <a:schemeClr val="lt1"/>
+            </a:fontRef>
+          </p:style>
+          <p:txBody>
+            <a:bodyPr rtlCol="0" anchor="ctr"/>
+            <a:lstStyle/>
+            <a:p>
+              <a:pPr algn="ctr"/>
+              <a:endParaRPr lang="zh-CN" altLang="en-US">
+                <a:solidFill>
+                  <a:prstClr val="white"/>
+                </a:solidFill>
+              </a:endParaRPr>
+            </a:p>
+          </p:txBody>
+        </p:sp>
+      </p:grpSp>
+      <p:grpSp>
+        <p:nvGrpSpPr>
+          <p:cNvPr id="30" name="Group 29"/>
+          <p:cNvGrpSpPr/>
+          <p:nvPr/>
+        </p:nvGrpSpPr>
+        <p:grpSpPr>
+          <a:xfrm>
+            <a:off x="8596180" y="4486104"/>
+            <a:ext cx="2926079" cy="1973179"/>
+            <a:chOff x="770021" y="1655546"/>
+            <a:chExt cx="2926079" cy="1973179"/>
+          </a:xfrm>
+        </p:grpSpPr>
+        <p:sp>
+          <p:nvSpPr>
+            <p:cNvPr id="31" name="Rectangle 30"/>
+            <p:cNvSpPr/>
+            <p:nvPr/>
+          </p:nvSpPr>
+          <p:spPr>
+            <a:xfrm>
+              <a:off x="770021" y="1655546"/>
+              <a:ext cx="2926079" cy="540800"/>
+            </a:xfrm>
+            <a:prstGeom prst="rect">
+              <a:avLst/>
+            </a:prstGeom>
+            <a:solidFill>
+              <a:srgbClr val="E24E4E"/>
+            </a:solidFill>
+            <a:ln>
+              <a:noFill/>
+            </a:ln>
+          </p:spPr>
+          <p:style>
+            <a:lnRef idx="2">
+              <a:schemeClr val="accent1">
+                <a:shade val="50000"/>
+              </a:schemeClr>
+            </a:lnRef>
+            <a:fillRef idx="1">
+              <a:schemeClr val="accent1"/>
+            </a:fillRef>
+            <a:effectRef idx="0">
+              <a:schemeClr val="accent1"/>
+            </a:effectRef>
+            <a:fontRef idx="minor">
+              <a:schemeClr val="lt1"/>
+            </a:fontRef>
+          </p:style>
+          <p:txBody>
+            <a:bodyPr rtlCol="0" anchor="ctr"/>
+            <a:lstStyle/>
+            <a:p>
+              <a:pPr algn="ctr"/>
+              <a:endParaRPr lang="zh-CN" altLang="en-US" dirty="0">
+                <a:solidFill>
+                  <a:prstClr val="white"/>
+                </a:solidFill>
+              </a:endParaRPr>
+            </a:p>
+          </p:txBody>
+        </p:sp>
+        <p:sp>
+          <p:nvSpPr>
+            <p:cNvPr id="32" name="Rectangle 31"/>
+            <p:cNvSpPr/>
+            <p:nvPr/>
+          </p:nvSpPr>
+          <p:spPr>
+            <a:xfrm>
+              <a:off x="770021" y="2196346"/>
+              <a:ext cx="2926079" cy="1432379"/>
+            </a:xfrm>
+            <a:prstGeom prst="rect">
+              <a:avLst/>
+            </a:prstGeom>
+            <a:solidFill>
+              <a:srgbClr val="FFFFFF">
+                <a:alpha val="27059"/>
+              </a:srgbClr>
+            </a:solidFill>
+            <a:ln>
+              <a:noFill/>
+            </a:ln>
+          </p:spPr>
+          <p:style>
+            <a:lnRef idx="2">
+              <a:schemeClr val="accent1">
+                <a:shade val="50000"/>
+              </a:schemeClr>
+            </a:lnRef>
+            <a:fillRef idx="1">
+              <a:schemeClr val="accent1"/>
+            </a:fillRef>
+            <a:effectRef idx="0">
+              <a:schemeClr val="accent1"/>
+            </a:effectRef>
+            <a:fontRef idx="minor">
+              <a:schemeClr val="lt1"/>
+            </a:fontRef>
+          </p:style>
+          <p:txBody>
+            <a:bodyPr rtlCol="0" anchor="ctr"/>
+            <a:lstStyle/>
+            <a:p>
+              <a:pPr algn="ctr"/>
+              <a:endParaRPr lang="zh-CN" altLang="en-US" dirty="0">
+                <a:solidFill>
+                  <a:prstClr val="white"/>
+                </a:solidFill>
+              </a:endParaRPr>
+            </a:p>
+          </p:txBody>
+        </p:sp>
+      </p:grpSp>
+      <p:sp>
+        <p:nvSpPr>
+          <p:cNvPr id="33" name="Rectangle 32"/>
+          <p:cNvSpPr/>
+          <p:nvPr/>
+        </p:nvSpPr>
+        <p:spPr>
+          <a:xfrm>
+            <a:off x="4076615" y="529208"/>
+            <a:ext cx="4231358" cy="761127"/>
+          </a:xfrm>
+          <a:prstGeom prst="rect">
+            <a:avLst/>
+          </a:prstGeom>
+          <a:solidFill>
+            <a:srgbClr val="E24E4E"/>
+          </a:solidFill>
+          <a:ln>
+            <a:noFill/>
+          </a:ln>
+        </p:spPr>
+        <p:style>
+          <a:lnRef idx="2">
+            <a:schemeClr val="accent1">
+              <a:shade val="50000"/>
+            </a:schemeClr>
+          </a:lnRef>
+          <a:fillRef idx="1">
+            <a:schemeClr val="accent1"/>
+          </a:fillRef>
+          <a:effectRef idx="0">
+            <a:schemeClr val="accent1"/>
+          </a:effectRef>
+          <a:fontRef idx="minor">
+            <a:schemeClr val="lt1"/>
+          </a:fontRef>
+        </p:style>
+        <p:txBody>
+          <a:bodyPr rtlCol="0" anchor="ctr"/>
+          <a:lstStyle/>
+          <a:p>
+            <a:pPr algn="ctr"/>
+            <a:r>
+              <a:rPr lang="en-US" altLang="zh-CN" sz="4000" dirty="0" smtClean="0">
+                <a:solidFill>
+                  <a:prstClr val="white"/>
+                </a:solidFill>
+              </a:rPr>
+              <a:t>2D</a:t>
+            </a:r>
+            <a:r>
+              <a:rPr lang="zh-CN" altLang="en-US" sz="4000" dirty="0" smtClean="0">
+                <a:solidFill>
+                  <a:prstClr val="white"/>
+                </a:solidFill>
+              </a:rPr>
+              <a:t>游戏插件下载</a:t>
+            </a:r>
+            <a:endParaRPr lang="zh-CN" altLang="en-US" sz="4000" dirty="0">
+              <a:solidFill>
+                <a:prstClr val="white"/>
+              </a:solidFill>
+            </a:endParaRPr>
+          </a:p>
+        </p:txBody>
+      </p:sp>
+    </p:spTree>
+    <p:extLst>
+      <p:ext uri="{BB962C8B-B14F-4D97-AF65-F5344CB8AC3E}">
+        <p14:creationId xmlns:p14="http://schemas.microsoft.com/office/powerpoint/2010/main" val="286376034"/>
       </p:ext>
     </p:extLst>
   </p:cSld>

--- a/Share/资料下载.pptx
+++ b/Share/资料下载.pptx
@@ -199,7 +199,7 @@
           <a:p>
             <a:fld id="{D2A48B96-639E-45A3-A0BA-2464DFDB1FAA}" type="datetimeFigureOut">
               <a:rPr lang="zh-CN" altLang="en-US" smtClean="0"/>
-              <a:t>2018/3/8</a:t>
+              <a:t>2018/3/18</a:t>
             </a:fld>
             <a:endParaRPr lang="zh-CN" altLang="en-US"/>
           </a:p>
@@ -598,7 +598,7 @@
           <a:p>
             <a:fld id="{D997B5FA-0921-464F-AAE1-844C04324D75}" type="datetimeFigureOut">
               <a:rPr lang="zh-CN" altLang="en-US" smtClean="0"/>
-              <a:t>2018/3/8</a:t>
+              <a:t>2018/3/18</a:t>
             </a:fld>
             <a:endParaRPr lang="zh-CN" altLang="en-US"/>
           </a:p>
@@ -767,7 +767,7 @@
           <a:p>
             <a:fld id="{D997B5FA-0921-464F-AAE1-844C04324D75}" type="datetimeFigureOut">
               <a:rPr lang="zh-CN" altLang="en-US" smtClean="0"/>
-              <a:t>2018/3/8</a:t>
+              <a:t>2018/3/18</a:t>
             </a:fld>
             <a:endParaRPr lang="zh-CN" altLang="en-US"/>
           </a:p>
@@ -946,7 +946,7 @@
           <a:p>
             <a:fld id="{D997B5FA-0921-464F-AAE1-844C04324D75}" type="datetimeFigureOut">
               <a:rPr lang="zh-CN" altLang="en-US" smtClean="0"/>
-              <a:t>2018/3/8</a:t>
+              <a:t>2018/3/18</a:t>
             </a:fld>
             <a:endParaRPr lang="zh-CN" altLang="en-US"/>
           </a:p>
@@ -1115,7 +1115,7 @@
           <a:p>
             <a:fld id="{D997B5FA-0921-464F-AAE1-844C04324D75}" type="datetimeFigureOut">
               <a:rPr lang="zh-CN" altLang="en-US" smtClean="0"/>
-              <a:t>2018/3/8</a:t>
+              <a:t>2018/3/18</a:t>
             </a:fld>
             <a:endParaRPr lang="zh-CN" altLang="en-US"/>
           </a:p>
@@ -1360,7 +1360,7 @@
           <a:p>
             <a:fld id="{D997B5FA-0921-464F-AAE1-844C04324D75}" type="datetimeFigureOut">
               <a:rPr lang="zh-CN" altLang="en-US" smtClean="0"/>
-              <a:t>2018/3/8</a:t>
+              <a:t>2018/3/18</a:t>
             </a:fld>
             <a:endParaRPr lang="zh-CN" altLang="en-US"/>
           </a:p>
@@ -1591,7 +1591,7 @@
           <a:p>
             <a:fld id="{D997B5FA-0921-464F-AAE1-844C04324D75}" type="datetimeFigureOut">
               <a:rPr lang="zh-CN" altLang="en-US" smtClean="0"/>
-              <a:t>2018/3/8</a:t>
+              <a:t>2018/3/18</a:t>
             </a:fld>
             <a:endParaRPr lang="zh-CN" altLang="en-US"/>
           </a:p>
@@ -1957,7 +1957,7 @@
           <a:p>
             <a:fld id="{D997B5FA-0921-464F-AAE1-844C04324D75}" type="datetimeFigureOut">
               <a:rPr lang="zh-CN" altLang="en-US" smtClean="0"/>
-              <a:t>2018/3/8</a:t>
+              <a:t>2018/3/18</a:t>
             </a:fld>
             <a:endParaRPr lang="zh-CN" altLang="en-US"/>
           </a:p>
@@ -2074,7 +2074,7 @@
           <a:p>
             <a:fld id="{D997B5FA-0921-464F-AAE1-844C04324D75}" type="datetimeFigureOut">
               <a:rPr lang="zh-CN" altLang="en-US" smtClean="0"/>
-              <a:t>2018/3/8</a:t>
+              <a:t>2018/3/18</a:t>
             </a:fld>
             <a:endParaRPr lang="zh-CN" altLang="en-US"/>
           </a:p>
@@ -2168,7 +2168,7 @@
           <a:p>
             <a:fld id="{D997B5FA-0921-464F-AAE1-844C04324D75}" type="datetimeFigureOut">
               <a:rPr lang="zh-CN" altLang="en-US" smtClean="0"/>
-              <a:t>2018/3/8</a:t>
+              <a:t>2018/3/18</a:t>
             </a:fld>
             <a:endParaRPr lang="zh-CN" altLang="en-US"/>
           </a:p>
@@ -2444,7 +2444,7 @@
           <a:p>
             <a:fld id="{D997B5FA-0921-464F-AAE1-844C04324D75}" type="datetimeFigureOut">
               <a:rPr lang="zh-CN" altLang="en-US" smtClean="0"/>
-              <a:t>2018/3/8</a:t>
+              <a:t>2018/3/18</a:t>
             </a:fld>
             <a:endParaRPr lang="zh-CN" altLang="en-US"/>
           </a:p>
@@ -2696,7 +2696,7 @@
           <a:p>
             <a:fld id="{D997B5FA-0921-464F-AAE1-844C04324D75}" type="datetimeFigureOut">
               <a:rPr lang="zh-CN" altLang="en-US" smtClean="0"/>
-              <a:t>2018/3/8</a:t>
+              <a:t>2018/3/18</a:t>
             </a:fld>
             <a:endParaRPr lang="zh-CN" altLang="en-US"/>
           </a:p>
@@ -2908,7 +2908,7 @@
           <a:p>
             <a:fld id="{D997B5FA-0921-464F-AAE1-844C04324D75}" type="datetimeFigureOut">
               <a:rPr lang="zh-CN" altLang="en-US" smtClean="0"/>
-              <a:t>2018/3/8</a:t>
+              <a:t>2018/3/18</a:t>
             </a:fld>
             <a:endParaRPr lang="zh-CN" altLang="en-US"/>
           </a:p>
@@ -4799,6 +4799,22 @@
             <a:lstStyle/>
             <a:p>
               <a:pPr algn="ctr"/>
+              <a:r>
+                <a:rPr lang="en-US" altLang="zh-CN" dirty="0" smtClean="0">
+                  <a:solidFill>
+                    <a:prstClr val="white"/>
+                  </a:solidFill>
+                </a:rPr>
+                <a:t>Unity</a:t>
+              </a:r>
+              <a:r>
+                <a:rPr lang="zh-CN" altLang="en-US" dirty="0" smtClean="0">
+                  <a:solidFill>
+                    <a:prstClr val="white"/>
+                  </a:solidFill>
+                </a:rPr>
+                <a:t>学习资料汇总</a:t>
+              </a:r>
               <a:endParaRPr lang="zh-CN" altLang="en-US" dirty="0">
                 <a:solidFill>
                   <a:prstClr val="white"/>
@@ -4916,6 +4932,22 @@
             <a:lstStyle/>
             <a:p>
               <a:pPr algn="ctr"/>
+              <a:r>
+                <a:rPr lang="en-US" altLang="zh-CN" dirty="0" smtClean="0">
+                  <a:solidFill>
+                    <a:prstClr val="white"/>
+                  </a:solidFill>
+                </a:rPr>
+                <a:t>Unity</a:t>
+              </a:r>
+              <a:r>
+                <a:rPr lang="zh-CN" altLang="en-US" dirty="0" smtClean="0">
+                  <a:solidFill>
+                    <a:prstClr val="white"/>
+                  </a:solidFill>
+                </a:rPr>
+                <a:t>商店资源</a:t>
+              </a:r>
               <a:endParaRPr lang="zh-CN" altLang="en-US" dirty="0">
                 <a:solidFill>
                   <a:prstClr val="white"/>
@@ -5421,6 +5453,75 @@
             <a:endParaRPr lang="zh-CN" altLang="en-US" sz="4000" dirty="0">
               <a:solidFill>
                 <a:prstClr val="white"/>
+              </a:solidFill>
+            </a:endParaRPr>
+          </a:p>
+        </p:txBody>
+      </p:sp>
+      <p:sp>
+        <p:nvSpPr>
+          <p:cNvPr id="2" name="Rectangle 1"/>
+          <p:cNvSpPr/>
+          <p:nvPr/>
+        </p:nvSpPr>
+        <p:spPr>
+          <a:xfrm>
+            <a:off x="4937180" y="2544182"/>
+            <a:ext cx="2513073" cy="923330"/>
+          </a:xfrm>
+          <a:prstGeom prst="rect">
+            <a:avLst/>
+          </a:prstGeom>
+        </p:spPr>
+        <p:txBody>
+          <a:bodyPr wrap="square">
+            <a:spAutoFit/>
+          </a:bodyPr>
+          <a:lstStyle/>
+          <a:p>
+            <a:r>
+              <a:rPr lang="zh-CN" altLang="en-US" dirty="0">
+                <a:solidFill>
+                  <a:schemeClr val="bg1"/>
+                </a:solidFill>
+              </a:rPr>
+              <a:t>https://pan.baidu.com/s/1T5jSqGoYCdhOpwnPU0fFwQ</a:t>
+            </a:r>
+          </a:p>
+        </p:txBody>
+      </p:sp>
+      <p:sp>
+        <p:nvSpPr>
+          <p:cNvPr id="25" name="Rectangle 24"/>
+          <p:cNvSpPr/>
+          <p:nvPr/>
+        </p:nvSpPr>
+        <p:spPr>
+          <a:xfrm>
+            <a:off x="8874601" y="2562506"/>
+            <a:ext cx="2513073" cy="923330"/>
+          </a:xfrm>
+          <a:prstGeom prst="rect">
+            <a:avLst/>
+          </a:prstGeom>
+        </p:spPr>
+        <p:txBody>
+          <a:bodyPr wrap="square">
+            <a:spAutoFit/>
+          </a:bodyPr>
+          <a:lstStyle/>
+          <a:p>
+            <a:r>
+              <a:rPr lang="en-US" altLang="zh-CN" dirty="0">
+                <a:solidFill>
+                  <a:schemeClr val="bg1"/>
+                </a:solidFill>
+              </a:rPr>
+              <a:t>https://pan.baidu.com/s/13eppGIBa7lRwrwjmwwA6fw</a:t>
+            </a:r>
+            <a:endParaRPr lang="zh-CN" altLang="en-US" dirty="0">
+              <a:solidFill>
+                <a:schemeClr val="bg1"/>
               </a:solidFill>
             </a:endParaRPr>
           </a:p>

--- a/Share/资料下载.pptx
+++ b/Share/资料下载.pptx
@@ -199,7 +199,7 @@
           <a:p>
             <a:fld id="{D2A48B96-639E-45A3-A0BA-2464DFDB1FAA}" type="datetimeFigureOut">
               <a:rPr lang="zh-CN" altLang="en-US" smtClean="0"/>
-              <a:t>2018/3/18</a:t>
+              <a:t>2018/3/19</a:t>
             </a:fld>
             <a:endParaRPr lang="zh-CN" altLang="en-US"/>
           </a:p>
@@ -598,7 +598,7 @@
           <a:p>
             <a:fld id="{D997B5FA-0921-464F-AAE1-844C04324D75}" type="datetimeFigureOut">
               <a:rPr lang="zh-CN" altLang="en-US" smtClean="0"/>
-              <a:t>2018/3/18</a:t>
+              <a:t>2018/3/19</a:t>
             </a:fld>
             <a:endParaRPr lang="zh-CN" altLang="en-US"/>
           </a:p>
@@ -767,7 +767,7 @@
           <a:p>
             <a:fld id="{D997B5FA-0921-464F-AAE1-844C04324D75}" type="datetimeFigureOut">
               <a:rPr lang="zh-CN" altLang="en-US" smtClean="0"/>
-              <a:t>2018/3/18</a:t>
+              <a:t>2018/3/19</a:t>
             </a:fld>
             <a:endParaRPr lang="zh-CN" altLang="en-US"/>
           </a:p>
@@ -946,7 +946,7 @@
           <a:p>
             <a:fld id="{D997B5FA-0921-464F-AAE1-844C04324D75}" type="datetimeFigureOut">
               <a:rPr lang="zh-CN" altLang="en-US" smtClean="0"/>
-              <a:t>2018/3/18</a:t>
+              <a:t>2018/3/19</a:t>
             </a:fld>
             <a:endParaRPr lang="zh-CN" altLang="en-US"/>
           </a:p>
@@ -1115,7 +1115,7 @@
           <a:p>
             <a:fld id="{D997B5FA-0921-464F-AAE1-844C04324D75}" type="datetimeFigureOut">
               <a:rPr lang="zh-CN" altLang="en-US" smtClean="0"/>
-              <a:t>2018/3/18</a:t>
+              <a:t>2018/3/19</a:t>
             </a:fld>
             <a:endParaRPr lang="zh-CN" altLang="en-US"/>
           </a:p>
@@ -1360,7 +1360,7 @@
           <a:p>
             <a:fld id="{D997B5FA-0921-464F-AAE1-844C04324D75}" type="datetimeFigureOut">
               <a:rPr lang="zh-CN" altLang="en-US" smtClean="0"/>
-              <a:t>2018/3/18</a:t>
+              <a:t>2018/3/19</a:t>
             </a:fld>
             <a:endParaRPr lang="zh-CN" altLang="en-US"/>
           </a:p>
@@ -1591,7 +1591,7 @@
           <a:p>
             <a:fld id="{D997B5FA-0921-464F-AAE1-844C04324D75}" type="datetimeFigureOut">
               <a:rPr lang="zh-CN" altLang="en-US" smtClean="0"/>
-              <a:t>2018/3/18</a:t>
+              <a:t>2018/3/19</a:t>
             </a:fld>
             <a:endParaRPr lang="zh-CN" altLang="en-US"/>
           </a:p>
@@ -1957,7 +1957,7 @@
           <a:p>
             <a:fld id="{D997B5FA-0921-464F-AAE1-844C04324D75}" type="datetimeFigureOut">
               <a:rPr lang="zh-CN" altLang="en-US" smtClean="0"/>
-              <a:t>2018/3/18</a:t>
+              <a:t>2018/3/19</a:t>
             </a:fld>
             <a:endParaRPr lang="zh-CN" altLang="en-US"/>
           </a:p>
@@ -2074,7 +2074,7 @@
           <a:p>
             <a:fld id="{D997B5FA-0921-464F-AAE1-844C04324D75}" type="datetimeFigureOut">
               <a:rPr lang="zh-CN" altLang="en-US" smtClean="0"/>
-              <a:t>2018/3/18</a:t>
+              <a:t>2018/3/19</a:t>
             </a:fld>
             <a:endParaRPr lang="zh-CN" altLang="en-US"/>
           </a:p>
@@ -2168,7 +2168,7 @@
           <a:p>
             <a:fld id="{D997B5FA-0921-464F-AAE1-844C04324D75}" type="datetimeFigureOut">
               <a:rPr lang="zh-CN" altLang="en-US" smtClean="0"/>
-              <a:t>2018/3/18</a:t>
+              <a:t>2018/3/19</a:t>
             </a:fld>
             <a:endParaRPr lang="zh-CN" altLang="en-US"/>
           </a:p>
@@ -2444,7 +2444,7 @@
           <a:p>
             <a:fld id="{D997B5FA-0921-464F-AAE1-844C04324D75}" type="datetimeFigureOut">
               <a:rPr lang="zh-CN" altLang="en-US" smtClean="0"/>
-              <a:t>2018/3/18</a:t>
+              <a:t>2018/3/19</a:t>
             </a:fld>
             <a:endParaRPr lang="zh-CN" altLang="en-US"/>
           </a:p>
@@ -2696,7 +2696,7 @@
           <a:p>
             <a:fld id="{D997B5FA-0921-464F-AAE1-844C04324D75}" type="datetimeFigureOut">
               <a:rPr lang="zh-CN" altLang="en-US" smtClean="0"/>
-              <a:t>2018/3/18</a:t>
+              <a:t>2018/3/19</a:t>
             </a:fld>
             <a:endParaRPr lang="zh-CN" altLang="en-US"/>
           </a:p>
@@ -2908,7 +2908,7 @@
           <a:p>
             <a:fld id="{D997B5FA-0921-464F-AAE1-844C04324D75}" type="datetimeFigureOut">
               <a:rPr lang="zh-CN" altLang="en-US" smtClean="0"/>
-              <a:t>2018/3/18</a:t>
+              <a:t>2018/3/19</a:t>
             </a:fld>
             <a:endParaRPr lang="zh-CN" altLang="en-US"/>
           </a:p>
@@ -5065,6 +5065,22 @@
             <a:lstStyle/>
             <a:p>
               <a:pPr algn="ctr"/>
+              <a:r>
+                <a:rPr lang="en-US" altLang="zh-CN" dirty="0" smtClean="0">
+                  <a:solidFill>
+                    <a:prstClr val="white"/>
+                  </a:solidFill>
+                </a:rPr>
+                <a:t>Unity</a:t>
+              </a:r>
+              <a:r>
+                <a:rPr lang="zh-CN" altLang="en-US" dirty="0" smtClean="0">
+                  <a:solidFill>
+                    <a:prstClr val="white"/>
+                  </a:solidFill>
+                </a:rPr>
+                <a:t>圣典</a:t>
+              </a:r>
               <a:endParaRPr lang="zh-CN" altLang="en-US" dirty="0">
                 <a:solidFill>
                   <a:prstClr val="white"/>
@@ -5435,12 +5451,12 @@
           <a:p>
             <a:pPr algn="ctr"/>
             <a:r>
-              <a:rPr lang="en-US" altLang="zh-CN" sz="4000" dirty="0" smtClean="0">
+              <a:rPr lang="zh-CN" altLang="en-US" sz="4000" dirty="0">
                 <a:solidFill>
                   <a:prstClr val="white"/>
                 </a:solidFill>
               </a:rPr>
-              <a:t>2D</a:t>
+              <a:t>资</a:t>
             </a:r>
             <a:r>
               <a:rPr lang="zh-CN" altLang="en-US" sz="4000" dirty="0" smtClean="0">
@@ -5448,7 +5464,23 @@
                   <a:prstClr val="white"/>
                 </a:solidFill>
               </a:rPr>
-              <a:t>游戏插件下载</a:t>
+              <a:t>料及</a:t>
+            </a:r>
+            <a:r>
+              <a:rPr lang="zh-CN" altLang="en-US" sz="4000" dirty="0" smtClean="0">
+                <a:solidFill>
+                  <a:prstClr val="white"/>
+                </a:solidFill>
+              </a:rPr>
+              <a:t>插</a:t>
+            </a:r>
+            <a:r>
+              <a:rPr lang="zh-CN" altLang="en-US" sz="4000" dirty="0" smtClean="0">
+                <a:solidFill>
+                  <a:prstClr val="white"/>
+                </a:solidFill>
+              </a:rPr>
+              <a:t>件下载</a:t>
             </a:r>
             <a:endParaRPr lang="zh-CN" altLang="en-US" sz="4000" dirty="0">
               <a:solidFill>
@@ -5524,6 +5556,38 @@
                 <a:schemeClr val="bg1"/>
               </a:solidFill>
             </a:endParaRPr>
+          </a:p>
+        </p:txBody>
+      </p:sp>
+      <p:sp>
+        <p:nvSpPr>
+          <p:cNvPr id="4" name="Rectangle 3"/>
+          <p:cNvSpPr/>
+          <p:nvPr/>
+        </p:nvSpPr>
+        <p:spPr>
+          <a:xfrm>
+            <a:off x="1139165" y="5281428"/>
+            <a:ext cx="2367816" cy="923330"/>
+          </a:xfrm>
+          <a:prstGeom prst="rect">
+            <a:avLst/>
+          </a:prstGeom>
+        </p:spPr>
+        <p:txBody>
+          <a:bodyPr wrap="square">
+            <a:spAutoFit/>
+          </a:bodyPr>
+          <a:lstStyle/>
+          <a:p>
+            <a:r>
+              <a:rPr lang="zh-CN" altLang="en-US" dirty="0">
+                <a:solidFill>
+                  <a:schemeClr val="bg1"/>
+                </a:solidFill>
+              </a:rPr>
+              <a:t>https://pan.baidu.com/s/1tVfVpbYfV-nzdF22S8xiBA</a:t>
+            </a:r>
           </a:p>
         </p:txBody>
       </p:sp>

--- a/Share/资料下载.pptx
+++ b/Share/资料下载.pptx
@@ -199,7 +199,7 @@
           <a:p>
             <a:fld id="{D2A48B96-639E-45A3-A0BA-2464DFDB1FAA}" type="datetimeFigureOut">
               <a:rPr lang="zh-CN" altLang="en-US" smtClean="0"/>
-              <a:t>2018/3/19</a:t>
+              <a:t>2018/4/18</a:t>
             </a:fld>
             <a:endParaRPr lang="zh-CN" altLang="en-US"/>
           </a:p>
@@ -598,7 +598,7 @@
           <a:p>
             <a:fld id="{D997B5FA-0921-464F-AAE1-844C04324D75}" type="datetimeFigureOut">
               <a:rPr lang="zh-CN" altLang="en-US" smtClean="0"/>
-              <a:t>2018/3/19</a:t>
+              <a:t>2018/4/18</a:t>
             </a:fld>
             <a:endParaRPr lang="zh-CN" altLang="en-US"/>
           </a:p>
@@ -767,7 +767,7 @@
           <a:p>
             <a:fld id="{D997B5FA-0921-464F-AAE1-844C04324D75}" type="datetimeFigureOut">
               <a:rPr lang="zh-CN" altLang="en-US" smtClean="0"/>
-              <a:t>2018/3/19</a:t>
+              <a:t>2018/4/18</a:t>
             </a:fld>
             <a:endParaRPr lang="zh-CN" altLang="en-US"/>
           </a:p>
@@ -946,7 +946,7 @@
           <a:p>
             <a:fld id="{D997B5FA-0921-464F-AAE1-844C04324D75}" type="datetimeFigureOut">
               <a:rPr lang="zh-CN" altLang="en-US" smtClean="0"/>
-              <a:t>2018/3/19</a:t>
+              <a:t>2018/4/18</a:t>
             </a:fld>
             <a:endParaRPr lang="zh-CN" altLang="en-US"/>
           </a:p>
@@ -1115,7 +1115,7 @@
           <a:p>
             <a:fld id="{D997B5FA-0921-464F-AAE1-844C04324D75}" type="datetimeFigureOut">
               <a:rPr lang="zh-CN" altLang="en-US" smtClean="0"/>
-              <a:t>2018/3/19</a:t>
+              <a:t>2018/4/18</a:t>
             </a:fld>
             <a:endParaRPr lang="zh-CN" altLang="en-US"/>
           </a:p>
@@ -1360,7 +1360,7 @@
           <a:p>
             <a:fld id="{D997B5FA-0921-464F-AAE1-844C04324D75}" type="datetimeFigureOut">
               <a:rPr lang="zh-CN" altLang="en-US" smtClean="0"/>
-              <a:t>2018/3/19</a:t>
+              <a:t>2018/4/18</a:t>
             </a:fld>
             <a:endParaRPr lang="zh-CN" altLang="en-US"/>
           </a:p>
@@ -1591,7 +1591,7 @@
           <a:p>
             <a:fld id="{D997B5FA-0921-464F-AAE1-844C04324D75}" type="datetimeFigureOut">
               <a:rPr lang="zh-CN" altLang="en-US" smtClean="0"/>
-              <a:t>2018/3/19</a:t>
+              <a:t>2018/4/18</a:t>
             </a:fld>
             <a:endParaRPr lang="zh-CN" altLang="en-US"/>
           </a:p>
@@ -1957,7 +1957,7 @@
           <a:p>
             <a:fld id="{D997B5FA-0921-464F-AAE1-844C04324D75}" type="datetimeFigureOut">
               <a:rPr lang="zh-CN" altLang="en-US" smtClean="0"/>
-              <a:t>2018/3/19</a:t>
+              <a:t>2018/4/18</a:t>
             </a:fld>
             <a:endParaRPr lang="zh-CN" altLang="en-US"/>
           </a:p>
@@ -2074,7 +2074,7 @@
           <a:p>
             <a:fld id="{D997B5FA-0921-464F-AAE1-844C04324D75}" type="datetimeFigureOut">
               <a:rPr lang="zh-CN" altLang="en-US" smtClean="0"/>
-              <a:t>2018/3/19</a:t>
+              <a:t>2018/4/18</a:t>
             </a:fld>
             <a:endParaRPr lang="zh-CN" altLang="en-US"/>
           </a:p>
@@ -2168,7 +2168,7 @@
           <a:p>
             <a:fld id="{D997B5FA-0921-464F-AAE1-844C04324D75}" type="datetimeFigureOut">
               <a:rPr lang="zh-CN" altLang="en-US" smtClean="0"/>
-              <a:t>2018/3/19</a:t>
+              <a:t>2018/4/18</a:t>
             </a:fld>
             <a:endParaRPr lang="zh-CN" altLang="en-US"/>
           </a:p>
@@ -2444,7 +2444,7 @@
           <a:p>
             <a:fld id="{D997B5FA-0921-464F-AAE1-844C04324D75}" type="datetimeFigureOut">
               <a:rPr lang="zh-CN" altLang="en-US" smtClean="0"/>
-              <a:t>2018/3/19</a:t>
+              <a:t>2018/4/18</a:t>
             </a:fld>
             <a:endParaRPr lang="zh-CN" altLang="en-US"/>
           </a:p>
@@ -2696,7 +2696,7 @@
           <a:p>
             <a:fld id="{D997B5FA-0921-464F-AAE1-844C04324D75}" type="datetimeFigureOut">
               <a:rPr lang="zh-CN" altLang="en-US" smtClean="0"/>
-              <a:t>2018/3/19</a:t>
+              <a:t>2018/4/18</a:t>
             </a:fld>
             <a:endParaRPr lang="zh-CN" altLang="en-US"/>
           </a:p>
@@ -2908,7 +2908,7 @@
           <a:p>
             <a:fld id="{D997B5FA-0921-464F-AAE1-844C04324D75}" type="datetimeFigureOut">
               <a:rPr lang="zh-CN" altLang="en-US" smtClean="0"/>
-              <a:t>2018/3/19</a:t>
+              <a:t>2018/4/18</a:t>
             </a:fld>
             <a:endParaRPr lang="zh-CN" altLang="en-US"/>
           </a:p>
@@ -5464,23 +5464,7 @@
                   <a:prstClr val="white"/>
                 </a:solidFill>
               </a:rPr>
-              <a:t>料及</a:t>
-            </a:r>
-            <a:r>
-              <a:rPr lang="zh-CN" altLang="en-US" sz="4000" dirty="0" smtClean="0">
-                <a:solidFill>
-                  <a:prstClr val="white"/>
-                </a:solidFill>
-              </a:rPr>
-              <a:t>插</a:t>
-            </a:r>
-            <a:r>
-              <a:rPr lang="zh-CN" altLang="en-US" sz="4000" dirty="0" smtClean="0">
-                <a:solidFill>
-                  <a:prstClr val="white"/>
-                </a:solidFill>
-              </a:rPr>
-              <a:t>件下载</a:t>
+              <a:t>料及插件下载</a:t>
             </a:r>
             <a:endParaRPr lang="zh-CN" altLang="en-US" sz="4000" dirty="0">
               <a:solidFill>
